--- a/test_brand_deck.pptx
+++ b/test_brand_deck.pptx
@@ -3090,20 +3090,63 @@
       <p:grpSpPr/>
       <p:sp>
         <p:nvSpPr>
-          <p:cNvPr id="2" name="Rectangle 1"/>
+          <p:cNvPr id="2" name="Title 1"/>
+          <p:cNvSpPr>
+            <a:spLocks noGrp="1"/>
+          </p:cNvSpPr>
+          <p:nvPr>
+            <p:ph type="ctrTitle"/>
+          </p:nvPr>
+        </p:nvSpPr>
+        <p:spPr/>
+        <p:txBody>
+          <a:bodyPr/>
+          <a:lstStyle/>
+          <a:p>
+            <a:r>
+              <a:rPr>
+                <a:solidFill>
+                  <a:srgbClr val="0064C8"/>
+                </a:solidFill>
+              </a:rPr>
+              <a:t>Test Brand Deck</a:t>
+            </a:r>
+          </a:p>
+        </p:txBody>
+      </p:sp>
+      <p:sp>
+        <p:nvSpPr>
+          <p:cNvPr id="3" name="Subtitle 2"/>
+          <p:cNvSpPr>
+            <a:spLocks noGrp="1"/>
+          </p:cNvSpPr>
+          <p:nvPr>
+            <p:ph type="subTitle" idx="1"/>
+          </p:nvPr>
+        </p:nvSpPr>
+        <p:spPr/>
+        <p:txBody>
+          <a:bodyPr/>
+          <a:lstStyle/>
+          <a:p/>
+        </p:txBody>
+      </p:sp>
+      <p:sp>
+        <p:nvSpPr>
+          <p:cNvPr id="4" name="Rectangle 3"/>
           <p:cNvSpPr/>
           <p:nvPr/>
         </p:nvSpPr>
         <p:spPr>
           <a:xfrm>
-            <a:off x="100" y="100"/>
-            <a:ext cx="100" cy="100"/>
+            <a:off x="914400" y="1828800"/>
+            <a:ext cx="3657600" cy="914400"/>
           </a:xfrm>
           <a:prstGeom prst="rect">
             <a:avLst/>
           </a:prstGeom>
           <a:solidFill>
-            <a:srgbClr val="0070C0"/>
+            <a:srgbClr val="FF6432"/>
           </a:solidFill>
         </p:spPr>
         <p:style>
@@ -3125,39 +3168,6 @@
           <a:lstStyle/>
           <a:p>
             <a:pPr algn="ctr"/>
-          </a:p>
-        </p:txBody>
-      </p:sp>
-      <p:sp>
-        <p:nvSpPr>
-          <p:cNvPr id="3" name="TextBox 2"/>
-          <p:cNvSpPr txBox="1"/>
-          <p:nvPr/>
-        </p:nvSpPr>
-        <p:spPr>
-          <a:xfrm>
-            <a:off x="100" y="250"/>
-            <a:ext cx="100" cy="50"/>
-          </a:xfrm>
-          <a:prstGeom prst="rect">
-            <a:avLst/>
-          </a:prstGeom>
-          <a:noFill/>
-        </p:spPr>
-        <p:txBody>
-          <a:bodyPr wrap="none">
-            <a:spAutoFit/>
-          </a:bodyPr>
-          <a:lstStyle/>
-          <a:p>
-            <a:r>
-              <a:rPr>
-                <a:solidFill>
-                  <a:srgbClr val="FF0000"/>
-                </a:solidFill>
-              </a:rPr>
-              <a:t>Test Text</a:t>
-            </a:r>
           </a:p>
         </p:txBody>
       </p:sp>
